--- a/CoarsWork/Защита_НикитинM_212.pptx
+++ b/CoarsWork/Защита_НикитинM_212.pptx
@@ -5,7 +5,7 @@
     <p:sldMasterId id="2147483660" r:id="rId1"/>
   </p:sldMasterIdLst>
   <p:notesMasterIdLst>
-    <p:notesMasterId r:id="rId15"/>
+    <p:notesMasterId r:id="rId16"/>
   </p:notesMasterIdLst>
   <p:sldIdLst>
     <p:sldId id="257" r:id="rId2"/>
@@ -17,10 +17,11 @@
     <p:sldId id="263" r:id="rId8"/>
     <p:sldId id="268" r:id="rId9"/>
     <p:sldId id="265" r:id="rId10"/>
-    <p:sldId id="269" r:id="rId11"/>
-    <p:sldId id="270" r:id="rId12"/>
-    <p:sldId id="266" r:id="rId13"/>
-    <p:sldId id="267" r:id="rId14"/>
+    <p:sldId id="271" r:id="rId11"/>
+    <p:sldId id="269" r:id="rId12"/>
+    <p:sldId id="270" r:id="rId13"/>
+    <p:sldId id="266" r:id="rId14"/>
+    <p:sldId id="267" r:id="rId15"/>
   </p:sldIdLst>
   <p:sldSz cx="12192000" cy="6858000"/>
   <p:notesSz cx="6858000" cy="9144000"/>
@@ -3787,6 +3788,131 @@
       </p:sp>
       <p:sp>
         <p:nvSpPr>
+          <p:cNvPr id="15" name="Прямоугольник 14"/>
+          <p:cNvSpPr/>
+          <p:nvPr/>
+        </p:nvSpPr>
+        <p:spPr>
+          <a:xfrm>
+            <a:off x="743712" y="273949"/>
+            <a:ext cx="6096000" cy="630942"/>
+          </a:xfrm>
+          <a:prstGeom prst="rect">
+            <a:avLst/>
+          </a:prstGeom>
+        </p:spPr>
+        <p:txBody>
+          <a:bodyPr>
+            <a:spAutoFit/>
+          </a:bodyPr>
+          <a:lstStyle/>
+          <a:p>
+            <a:r>
+              <a:rPr lang="ru-RU" sz="3500" b="1" dirty="0" smtClean="0"/>
+              <a:t>Пример работы программы</a:t>
+            </a:r>
+            <a:endParaRPr lang="ru-RU" sz="3500" b="1" dirty="0"/>
+          </a:p>
+        </p:txBody>
+      </p:sp>
+      <p:pic>
+        <p:nvPicPr>
+          <p:cNvPr id="7" name="Объект 6">
+            <a:hlinkClick r:id="rId2" action="ppaction://hlinkfile"/>
+          </p:cNvPr>
+          <p:cNvPicPr>
+            <a:picLocks noGrp="1" noChangeAspect="1"/>
+          </p:cNvPicPr>
+          <p:nvPr>
+            <p:ph idx="1"/>
+          </p:nvPr>
+        </p:nvPicPr>
+        <p:blipFill>
+          <a:blip r:embed="rId3"/>
+          <a:stretch>
+            <a:fillRect/>
+          </a:stretch>
+        </p:blipFill>
+        <p:spPr>
+          <a:xfrm>
+            <a:off x="2347499" y="1160606"/>
+            <a:ext cx="6941973" cy="4999257"/>
+          </a:xfrm>
+          <a:prstGeom prst="rect">
+            <a:avLst/>
+          </a:prstGeom>
+        </p:spPr>
+      </p:pic>
+    </p:spTree>
+    <p:extLst>
+      <p:ext uri="{BB962C8B-B14F-4D97-AF65-F5344CB8AC3E}">
+        <p14:creationId xmlns:p14="http://schemas.microsoft.com/office/powerpoint/2010/main" val="973954384"/>
+      </p:ext>
+    </p:extLst>
+  </p:cSld>
+  <p:clrMapOvr>
+    <a:masterClrMapping/>
+  </p:clrMapOvr>
+  <p:timing>
+    <p:tnLst>
+      <p:par>
+        <p:cTn id="1" dur="indefinite" restart="never" nodeType="tmRoot"/>
+      </p:par>
+    </p:tnLst>
+  </p:timing>
+</p:sld>
+</file>
+
+<file path=ppt/slides/slide11.xml><?xml version="1.0" encoding="utf-8"?>
+<p:sld xmlns:a="http://schemas.openxmlformats.org/drawingml/2006/main" xmlns:r="http://schemas.openxmlformats.org/officeDocument/2006/relationships" xmlns:p="http://schemas.openxmlformats.org/presentationml/2006/main">
+  <p:cSld>
+    <p:spTree>
+      <p:nvGrpSpPr>
+        <p:cNvPr id="1" name=""/>
+        <p:cNvGrpSpPr/>
+        <p:nvPr/>
+      </p:nvGrpSpPr>
+      <p:grpSpPr>
+        <a:xfrm>
+          <a:off x="0" y="0"/>
+          <a:ext cx="0" cy="0"/>
+          <a:chOff x="0" y="0"/>
+          <a:chExt cx="0" cy="0"/>
+        </a:xfrm>
+      </p:grpSpPr>
+      <p:sp>
+        <p:nvSpPr>
+          <p:cNvPr id="4" name="Номер слайда 3"/>
+          <p:cNvSpPr>
+            <a:spLocks noGrp="1"/>
+          </p:cNvSpPr>
+          <p:nvPr>
+            <p:ph type="sldNum" sz="quarter" idx="12"/>
+          </p:nvPr>
+        </p:nvSpPr>
+        <p:spPr/>
+        <p:txBody>
+          <a:bodyPr/>
+          <a:lstStyle/>
+          <a:p>
+            <a:fld id="{5144C5BF-43F8-440A-817E-3154AA0C2E29}" type="slidenum">
+              <a:rPr lang="ru-RU" sz="4800" b="1" smtClean="0">
+                <a:solidFill>
+                  <a:schemeClr val="tx1"/>
+                </a:solidFill>
+              </a:rPr>
+              <a:t>11</a:t>
+            </a:fld>
+            <a:endParaRPr lang="ru-RU" sz="4800" b="1" dirty="0">
+              <a:solidFill>
+                <a:schemeClr val="tx1"/>
+              </a:solidFill>
+            </a:endParaRPr>
+          </a:p>
+        </p:txBody>
+      </p:sp>
+      <p:sp>
+        <p:nvSpPr>
           <p:cNvPr id="6" name="Прямоугольник 5"/>
           <p:cNvSpPr/>
           <p:nvPr/>
@@ -3986,10 +4112,17 @@
   <p:clrMapOvr>
     <a:masterClrMapping/>
   </p:clrMapOvr>
+  <p:timing>
+    <p:tnLst>
+      <p:par>
+        <p:cTn id="1" dur="indefinite" restart="never" nodeType="tmRoot"/>
+      </p:par>
+    </p:tnLst>
+  </p:timing>
 </p:sld>
 </file>
 
-<file path=ppt/slides/slide11.xml><?xml version="1.0" encoding="utf-8"?>
+<file path=ppt/slides/slide12.xml><?xml version="1.0" encoding="utf-8"?>
 <p:sld xmlns:a="http://schemas.openxmlformats.org/drawingml/2006/main" xmlns:r="http://schemas.openxmlformats.org/officeDocument/2006/relationships" xmlns:p="http://schemas.openxmlformats.org/presentationml/2006/main">
   <p:cSld>
     <p:spTree>
@@ -4027,7 +4160,7 @@
                   <a:schemeClr val="tx1"/>
                 </a:solidFill>
               </a:rPr>
-              <a:t>11</a:t>
+              <a:t>12</a:t>
             </a:fld>
             <a:endParaRPr lang="ru-RU" sz="4800" b="1" dirty="0">
               <a:solidFill>
@@ -4208,10 +4341,17 @@
   <p:clrMapOvr>
     <a:masterClrMapping/>
   </p:clrMapOvr>
+  <p:timing>
+    <p:tnLst>
+      <p:par>
+        <p:cTn id="1" dur="indefinite" restart="never" nodeType="tmRoot"/>
+      </p:par>
+    </p:tnLst>
+  </p:timing>
 </p:sld>
 </file>
 
-<file path=ppt/slides/slide12.xml><?xml version="1.0" encoding="utf-8"?>
+<file path=ppt/slides/slide13.xml><?xml version="1.0" encoding="utf-8"?>
 <p:sld xmlns:a="http://schemas.openxmlformats.org/drawingml/2006/main" xmlns:r="http://schemas.openxmlformats.org/officeDocument/2006/relationships" xmlns:p="http://schemas.openxmlformats.org/presentationml/2006/main">
   <p:cSld>
     <p:spTree>
@@ -4292,7 +4432,7 @@
                 <a:tabLst/>
                 <a:defRPr/>
               </a:pPr>
-              <a:t>12</a:t>
+              <a:t>13</a:t>
             </a:fld>
             <a:endParaRPr kumimoji="0" lang="ru-RU" sz="4800" b="1" i="0" u="none" strike="noStrike" kern="1200" cap="none" spc="0" normalizeH="0" baseline="0" noProof="0" dirty="0">
               <a:ln>
@@ -4492,7 +4632,7 @@
 </p:sld>
 </file>
 
-<file path=ppt/slides/slide13.xml><?xml version="1.0" encoding="utf-8"?>
+<file path=ppt/slides/slide14.xml><?xml version="1.0" encoding="utf-8"?>
 <p:sld xmlns:a="http://schemas.openxmlformats.org/drawingml/2006/main" xmlns:r="http://schemas.openxmlformats.org/officeDocument/2006/relationships" xmlns:p="http://schemas.openxmlformats.org/presentationml/2006/main">
   <p:cSld>
     <p:spTree>
@@ -4561,7 +4701,7 @@
                   <a:schemeClr val="tx1"/>
                 </a:solidFill>
               </a:rPr>
-              <a:t>13</a:t>
+              <a:t>14</a:t>
             </a:fld>
             <a:endParaRPr lang="ru-RU" sz="4800" dirty="0">
               <a:solidFill>
@@ -6375,25 +6515,34 @@
           </a:p>
         </p:txBody>
       </p:sp>
-      <p:sp>
-        <p:nvSpPr>
-          <p:cNvPr id="2" name="Объект 1"/>
-          <p:cNvSpPr>
-            <a:spLocks noGrp="1"/>
-          </p:cNvSpPr>
+      <p:pic>
+        <p:nvPicPr>
+          <p:cNvPr id="6" name="Объект 5">
+            <a:hlinkClick r:id="rId2" action="ppaction://hlinkfile"/>
+          </p:cNvPr>
+          <p:cNvPicPr>
+            <a:picLocks noGrp="1" noChangeAspect="1"/>
+          </p:cNvPicPr>
           <p:nvPr>
             <p:ph idx="1"/>
           </p:nvPr>
-        </p:nvSpPr>
-        <p:spPr/>
-        <p:txBody>
-          <a:bodyPr/>
-          <a:lstStyle/>
-          <a:p>
-            <a:endParaRPr lang="ru-RU"/>
-          </a:p>
-        </p:txBody>
-      </p:sp>
+        </p:nvPicPr>
+        <p:blipFill>
+          <a:blip r:embed="rId3"/>
+          <a:stretch>
+            <a:fillRect/>
+          </a:stretch>
+        </p:blipFill>
+        <p:spPr>
+          <a:xfrm>
+            <a:off x="1869518" y="1285297"/>
+            <a:ext cx="7295263" cy="5253679"/>
+          </a:xfrm>
+          <a:prstGeom prst="rect">
+            <a:avLst/>
+          </a:prstGeom>
+        </p:spPr>
+      </p:pic>
     </p:spTree>
     <p:extLst>
       <p:ext uri="{BB962C8B-B14F-4D97-AF65-F5344CB8AC3E}">
